--- a/FalcoNS/falcons.pptx
+++ b/FalcoNS/falcons.pptx
@@ -218,7 +218,7 @@
           <a:p>
             <a:fld id="{1EFB93F6-0AAE-BD45-8D8C-5272D930F741}" type="datetimeFigureOut">
               <a:rPr lang="ru-MD" smtClean="0"/>
-              <a:t>21.07.2024</a:t>
+              <a:t>22.07.2024</a:t>
             </a:fld>
             <a:endParaRPr lang="ru-MD"/>
           </a:p>
@@ -1249,7 +1249,7 @@
           <a:p>
             <a:fld id="{FBCAD36D-093E-CB46-9C6F-E3B7FF11DAE9}" type="datetimeFigureOut">
               <a:rPr lang="ru-MD" smtClean="0"/>
-              <a:t>21.07.2024</a:t>
+              <a:t>22.07.2024</a:t>
             </a:fld>
             <a:endParaRPr lang="ru-MD"/>
           </a:p>
@@ -1449,7 +1449,7 @@
           <a:p>
             <a:fld id="{FBCAD36D-093E-CB46-9C6F-E3B7FF11DAE9}" type="datetimeFigureOut">
               <a:rPr lang="ru-MD" smtClean="0"/>
-              <a:t>21.07.2024</a:t>
+              <a:t>22.07.2024</a:t>
             </a:fld>
             <a:endParaRPr lang="ru-MD"/>
           </a:p>
@@ -1659,7 +1659,7 @@
           <a:p>
             <a:fld id="{FBCAD36D-093E-CB46-9C6F-E3B7FF11DAE9}" type="datetimeFigureOut">
               <a:rPr lang="ru-MD" smtClean="0"/>
-              <a:t>21.07.2024</a:t>
+              <a:t>22.07.2024</a:t>
             </a:fld>
             <a:endParaRPr lang="ru-MD"/>
           </a:p>
@@ -1859,7 +1859,7 @@
           <a:p>
             <a:fld id="{FBCAD36D-093E-CB46-9C6F-E3B7FF11DAE9}" type="datetimeFigureOut">
               <a:rPr lang="ru-MD" smtClean="0"/>
-              <a:t>21.07.2024</a:t>
+              <a:t>22.07.2024</a:t>
             </a:fld>
             <a:endParaRPr lang="ru-MD"/>
           </a:p>
@@ -2135,7 +2135,7 @@
           <a:p>
             <a:fld id="{FBCAD36D-093E-CB46-9C6F-E3B7FF11DAE9}" type="datetimeFigureOut">
               <a:rPr lang="ru-MD" smtClean="0"/>
-              <a:t>21.07.2024</a:t>
+              <a:t>22.07.2024</a:t>
             </a:fld>
             <a:endParaRPr lang="ru-MD"/>
           </a:p>
@@ -2403,7 +2403,7 @@
           <a:p>
             <a:fld id="{FBCAD36D-093E-CB46-9C6F-E3B7FF11DAE9}" type="datetimeFigureOut">
               <a:rPr lang="ru-MD" smtClean="0"/>
-              <a:t>21.07.2024</a:t>
+              <a:t>22.07.2024</a:t>
             </a:fld>
             <a:endParaRPr lang="ru-MD"/>
           </a:p>
@@ -2818,7 +2818,7 @@
           <a:p>
             <a:fld id="{FBCAD36D-093E-CB46-9C6F-E3B7FF11DAE9}" type="datetimeFigureOut">
               <a:rPr lang="ru-MD" smtClean="0"/>
-              <a:t>21.07.2024</a:t>
+              <a:t>22.07.2024</a:t>
             </a:fld>
             <a:endParaRPr lang="ru-MD"/>
           </a:p>
@@ -2960,7 +2960,7 @@
           <a:p>
             <a:fld id="{FBCAD36D-093E-CB46-9C6F-E3B7FF11DAE9}" type="datetimeFigureOut">
               <a:rPr lang="ru-MD" smtClean="0"/>
-              <a:t>21.07.2024</a:t>
+              <a:t>22.07.2024</a:t>
             </a:fld>
             <a:endParaRPr lang="ru-MD"/>
           </a:p>
@@ -3073,7 +3073,7 @@
           <a:p>
             <a:fld id="{FBCAD36D-093E-CB46-9C6F-E3B7FF11DAE9}" type="datetimeFigureOut">
               <a:rPr lang="ru-MD" smtClean="0"/>
-              <a:t>21.07.2024</a:t>
+              <a:t>22.07.2024</a:t>
             </a:fld>
             <a:endParaRPr lang="ru-MD"/>
           </a:p>
@@ -3386,7 +3386,7 @@
           <a:p>
             <a:fld id="{FBCAD36D-093E-CB46-9C6F-E3B7FF11DAE9}" type="datetimeFigureOut">
               <a:rPr lang="ru-MD" smtClean="0"/>
-              <a:t>21.07.2024</a:t>
+              <a:t>22.07.2024</a:t>
             </a:fld>
             <a:endParaRPr lang="ru-MD"/>
           </a:p>
@@ -3675,7 +3675,7 @@
           <a:p>
             <a:fld id="{FBCAD36D-093E-CB46-9C6F-E3B7FF11DAE9}" type="datetimeFigureOut">
               <a:rPr lang="ru-MD" smtClean="0"/>
-              <a:t>21.07.2024</a:t>
+              <a:t>22.07.2024</a:t>
             </a:fld>
             <a:endParaRPr lang="ru-MD"/>
           </a:p>
@@ -3918,7 +3918,7 @@
           <a:p>
             <a:fld id="{FBCAD36D-093E-CB46-9C6F-E3B7FF11DAE9}" type="datetimeFigureOut">
               <a:rPr lang="ru-MD" smtClean="0"/>
-              <a:t>21.07.2024</a:t>
+              <a:t>22.07.2024</a:t>
             </a:fld>
             <a:endParaRPr lang="ru-MD"/>
           </a:p>
@@ -13128,7 +13128,7 @@
         <p:spPr>
           <a:xfrm>
             <a:off x="9117359" y="1787744"/>
-            <a:ext cx="3238573" cy="1077026"/>
+            <a:ext cx="3238573" cy="420564"/>
           </a:xfrm>
           <a:prstGeom prst="rect">
             <a:avLst/>
@@ -13142,14 +13142,11 @@
           <a:lstStyle/>
           <a:p>
             <a:r>
-              <a:rPr lang="ru-RU" sz="2133" dirty="0">
+              <a:rPr lang="en-US" sz="2133" dirty="0">
                 <a:latin typeface="Exo 2 Light" panose="00000400000000000000" pitchFamily="2" charset="-52"/>
               </a:rPr>
-              <a:t>не хотят сами делать выбор, рассчитывают на помощь</a:t>
-            </a:r>
-            <a:endParaRPr lang="en-US" sz="2133" dirty="0">
-              <a:latin typeface="Exo 2 Light" panose="00000400000000000000" pitchFamily="2" charset="-52"/>
-            </a:endParaRPr>
+              <a:t>Cultural exchange</a:t>
+            </a:r>
           </a:p>
         </p:txBody>
       </p:sp>
